--- a/II_Anno/BD/Progetto/2023-2024/Peppe-Pasquale/Presentation.pptx
+++ b/II_Anno/BD/Progetto/2023-2024/Peppe-Pasquale/Presentation.pptx
@@ -238,7 +238,7 @@
           <a:p>
             <a:fld id="{B56F32FC-4BD9-442A-A8C6-51598C909FE3}" type="datetimeFigureOut">
               <a:rPr lang="en-US" smtClean="0"/>
-              <a:t>11/16/2023</a:t>
+              <a:t>11/17/2023</a:t>
             </a:fld>
             <a:endParaRPr lang="en-US"/>
           </a:p>
@@ -415,7 +415,7 @@
           <a:p>
             <a:fld id="{056371FA-A98D-41E8-93F4-09945841298A}" type="datetimeFigureOut">
               <a:rPr lang="en-US" smtClean="0"/>
-              <a:t>11/16/2023</a:t>
+              <a:t>11/17/2023</a:t>
             </a:fld>
             <a:endParaRPr lang="en-US"/>
           </a:p>
@@ -11421,7 +11421,7 @@
           <p:nvPr>
             <p:extLst>
               <p:ext uri="{D42A27DB-BD31-4B8C-83A1-F6EECF244321}">
-                <p14:modId xmlns:p14="http://schemas.microsoft.com/office/powerpoint/2010/main" val="3968509015"/>
+                <p14:modId xmlns:p14="http://schemas.microsoft.com/office/powerpoint/2010/main" val="2735449040"/>
               </p:ext>
             </p:extLst>
           </p:nvPr>
@@ -11712,11 +11712,11 @@
                         <a:buNone/>
                       </a:pPr>
                       <a:r>
-                        <a:rPr lang="it-IT" u="sng"/>
+                        <a:rPr lang="it-IT" u="sng" dirty="0"/>
                         <a:t>Nome, Cognome</a:t>
                       </a:r>
                       <a:r>
-                        <a:rPr lang="it-IT"/>
+                        <a:rPr lang="it-IT" dirty="0"/>
                         <a:t>, DDN, Nazionalità</a:t>
                       </a:r>
                     </a:p>
@@ -12205,7 +12205,7 @@
           <p:nvPr>
             <p:extLst>
               <p:ext uri="{D42A27DB-BD31-4B8C-83A1-F6EECF244321}">
-                <p14:modId xmlns:p14="http://schemas.microsoft.com/office/powerpoint/2010/main" val="1830226789"/>
+                <p14:modId xmlns:p14="http://schemas.microsoft.com/office/powerpoint/2010/main" val="2593604455"/>
               </p:ext>
             </p:extLst>
           </p:nvPr>
@@ -12365,10 +12365,25 @@
                     <a:lstStyle/>
                     <a:p>
                       <a:r>
+                        <a:rPr lang="it-IT" u="none" dirty="0"/>
+                        <a:t>Soldi</a:t>
+                      </a:r>
+                      <a:r>
                         <a:rPr lang="it-IT" u="sng" dirty="0"/>
-                        <a:t>Soldi, Data Finanziamento</a:t>
+                        <a:t>, </a:t>
                       </a:r>
-                      <a:endParaRPr lang="it-IT" dirty="0"/>
+                      <a:r>
+                        <a:rPr lang="it-IT" u="none" dirty="0"/>
+                        <a:t>Data</a:t>
+                      </a:r>
+                      <a:r>
+                        <a:rPr lang="it-IT" u="sng" dirty="0"/>
+                        <a:t> </a:t>
+                      </a:r>
+                      <a:r>
+                        <a:rPr lang="it-IT" u="none" dirty="0"/>
+                        <a:t>Finanziamento</a:t>
+                      </a:r>
                     </a:p>
                   </a:txBody>
                   <a:tcPr/>
@@ -15931,15 +15946,6 @@
 </file>
 
 <file path=customXml/item1.xml><?xml version="1.0" encoding="utf-8"?>
-<?mso-contentType ?>
-<FormTemplates xmlns="http://schemas.microsoft.com/sharepoint/v3/contenttype/forms">
-  <Display>DocumentLibraryForm</Display>
-  <Edit>DocumentLibraryForm</Edit>
-  <New>DocumentLibraryForm</New>
-</FormTemplates>
-</file>
-
-<file path=customXml/item2.xml><?xml version="1.0" encoding="utf-8"?>
 <ct:contentTypeSchema xmlns:ct="http://schemas.microsoft.com/office/2006/metadata/contentType" xmlns:ma="http://schemas.microsoft.com/office/2006/metadata/properties/metaAttributes" ct:_="" ma:_="" ma:contentTypeName="Documento" ma:contentTypeID="0x0101009FA327CB4591524E801F9C831A5A3C78" ma:contentTypeVersion="7" ma:contentTypeDescription="Creare un nuovo documento." ma:contentTypeScope="" ma:versionID="411a6b739f1c89ef3da747a5e61ea794">
   <xsd:schema xmlns:xsd="http://www.w3.org/2001/XMLSchema" xmlns:xs="http://www.w3.org/2001/XMLSchema" xmlns:p="http://schemas.microsoft.com/office/2006/metadata/properties" xmlns:ns3="9ba82e96-5b9e-41b0-b761-ed9907381895" xmlns:ns4="60df833f-94a5-4167-ad75-4a1cce6390f3" targetNamespace="http://schemas.microsoft.com/office/2006/metadata/properties" ma:root="true" ma:fieldsID="09173b6cfd002f03e04e18a5422f88bb" ns3:_="" ns4:_="">
     <xsd:import namespace="9ba82e96-5b9e-41b0-b761-ed9907381895"/>
@@ -16122,6 +16128,15 @@
 </ct:contentTypeSchema>
 </file>
 
+<file path=customXml/item2.xml><?xml version="1.0" encoding="utf-8"?>
+<?mso-contentType ?>
+<FormTemplates xmlns="http://schemas.microsoft.com/sharepoint/v3/contenttype/forms">
+  <Display>DocumentLibraryForm</Display>
+  <Edit>DocumentLibraryForm</Edit>
+  <New>DocumentLibraryForm</New>
+</FormTemplates>
+</file>
+
 <file path=customXml/item3.xml><?xml version="1.0" encoding="utf-8"?>
 <p:properties xmlns:p="http://schemas.microsoft.com/office/2006/metadata/properties" xmlns:xsi="http://www.w3.org/2001/XMLSchema-instance" xmlns:pc="http://schemas.microsoft.com/office/infopath/2007/PartnerControls">
   <documentManagement>
@@ -16131,14 +16146,6 @@
 </file>
 
 <file path=customXml/itemProps1.xml><?xml version="1.0" encoding="utf-8"?>
-<ds:datastoreItem xmlns:ds="http://schemas.openxmlformats.org/officeDocument/2006/customXml" ds:itemID="{BD5826B4-4DD2-4A9B-8D6D-E91CF9C2316C}">
-  <ds:schemaRefs>
-    <ds:schemaRef ds:uri="http://schemas.microsoft.com/sharepoint/v3/contenttype/forms"/>
-  </ds:schemaRefs>
-</ds:datastoreItem>
-</file>
-
-<file path=customXml/itemProps2.xml><?xml version="1.0" encoding="utf-8"?>
 <ds:datastoreItem xmlns:ds="http://schemas.openxmlformats.org/officeDocument/2006/customXml" ds:itemID="{58408802-DD43-416E-A93B-DF512BC59508}">
   <ds:schemaRefs>
     <ds:schemaRef ds:uri="60df833f-94a5-4167-ad75-4a1cce6390f3"/>
@@ -16153,6 +16160,14 @@
     <ds:schemaRef ds:uri="http://schemas.microsoft.com/office/infopath/2007/PartnerControls"/>
     <ds:schemaRef ds:uri="http://schemas.openxmlformats.org/package/2006/metadata/core-properties"/>
     <ds:schemaRef ds:uri="http://www.w3.org/2001/XMLSchema"/>
+  </ds:schemaRefs>
+</ds:datastoreItem>
+</file>
+
+<file path=customXml/itemProps2.xml><?xml version="1.0" encoding="utf-8"?>
+<ds:datastoreItem xmlns:ds="http://schemas.openxmlformats.org/officeDocument/2006/customXml" ds:itemID="{BD5826B4-4DD2-4A9B-8D6D-E91CF9C2316C}">
+  <ds:schemaRefs>
+    <ds:schemaRef ds:uri="http://schemas.microsoft.com/sharepoint/v3/contenttype/forms"/>
   </ds:schemaRefs>
 </ds:datastoreItem>
 </file>
